--- a/lectures/week4/lecture3/slides/week4_lecture3.pptx
+++ b/lectures/week4/lecture3/slides/week4_lecture3.pptx
@@ -6565,7 +6565,7 @@
           <a:p>
             <a:fld id="{68387ED4-668B-F44E-A920-36BFDAE72AAA}" type="datetimeFigureOut">
               <a:rPr lang="en-US" smtClean="0"/>
-              <a:t>1/30/2023</a:t>
+              <a:t>2/1/2023</a:t>
             </a:fld>
             <a:endParaRPr lang="en-US"/>
           </a:p>
@@ -9317,7 +9317,7 @@
         </p:blipFill>
         <p:spPr>
           <a:xfrm>
-            <a:off x="574158" y="1901411"/>
+            <a:off x="574158" y="1912562"/>
             <a:ext cx="6144482" cy="1124107"/>
           </a:xfrm>
           <a:prstGeom prst="rect">
@@ -9483,7 +9483,7 @@
         </p:blipFill>
         <p:spPr>
           <a:xfrm>
-            <a:off x="729450" y="1938249"/>
+            <a:off x="729450" y="1960551"/>
             <a:ext cx="5944430" cy="1267002"/>
           </a:xfrm>
           <a:prstGeom prst="rect">
@@ -9648,7 +9648,7 @@
         </p:blipFill>
         <p:spPr>
           <a:xfrm>
-            <a:off x="574157" y="1862812"/>
+            <a:off x="574157" y="1873963"/>
             <a:ext cx="6626870" cy="2300113"/>
           </a:xfrm>
           <a:prstGeom prst="rect">
@@ -9909,7 +9909,7 @@
         </p:blipFill>
         <p:spPr>
           <a:xfrm>
-            <a:off x="1614597" y="1872342"/>
+            <a:off x="1614597" y="1883493"/>
             <a:ext cx="6415548" cy="2188029"/>
           </a:xfrm>
           <a:prstGeom prst="rect">
@@ -13256,7 +13256,7 @@
         </p:blipFill>
         <p:spPr>
           <a:xfrm>
-            <a:off x="0" y="373559"/>
+            <a:off x="-22302" y="373559"/>
             <a:ext cx="9085002" cy="4496937"/>
           </a:xfrm>
           <a:prstGeom prst="rect">
@@ -13433,7 +13433,7 @@
           <a:p>
             <a:r>
               <a:rPr lang="en-CA" dirty="0"/>
-              <a:t>Must use raise-hand feature to answer question verbally and explain your answer – you will be called on to answer by one of the instructors’</a:t>
+              <a:t>Must use button on the table to answer question verbally and explain your answer – you will be called on to answer by one of the instructors</a:t>
             </a:r>
           </a:p>
           <a:p>
@@ -13452,12 +13452,6 @@
             <a:r>
               <a:rPr lang="en-CA" dirty="0"/>
               <a:t>If you get the answer wrong, the next person whose hand is up can steal </a:t>
-            </a:r>
-          </a:p>
-          <a:p>
-            <a:r>
-              <a:rPr lang="en-CA" dirty="0"/>
-              <a:t>Chat answers do not count</a:t>
             </a:r>
           </a:p>
           <a:p>

--- a/lectures/week4/lecture3/slides/week4_lecture3.pptx
+++ b/lectures/week4/lecture3/slides/week4_lecture3.pptx
@@ -6565,7 +6565,7 @@
           <a:p>
             <a:fld id="{68387ED4-668B-F44E-A920-36BFDAE72AAA}" type="datetimeFigureOut">
               <a:rPr lang="en-US" smtClean="0"/>
-              <a:t>2/1/2023</a:t>
+              <a:t>2/3/2023</a:t>
             </a:fld>
             <a:endParaRPr lang="en-US"/>
           </a:p>
@@ -10037,16 +10037,15 @@
           </p:cNvPicPr>
           <p:nvPr/>
         </p:nvPicPr>
-        <p:blipFill>
+        <p:blipFill rotWithShape="1">
           <a:blip r:embed="rId2"/>
-          <a:stretch>
-            <a:fillRect/>
-          </a:stretch>
+          <a:srcRect t="15176"/>
+          <a:stretch/>
         </p:blipFill>
         <p:spPr>
           <a:xfrm>
-            <a:off x="1185769" y="0"/>
-            <a:ext cx="6772461" cy="5143500"/>
+            <a:off x="1185769" y="791735"/>
+            <a:ext cx="6772461" cy="4362915"/>
           </a:xfrm>
           <a:prstGeom prst="rect">
             <a:avLst/>
